--- a/Midterm/midterm_slides.pptx
+++ b/Midterm/midterm_slides.pptx
@@ -11,8 +11,10 @@
     <p:sldId id="263" r:id="rId5"/>
     <p:sldId id="258" r:id="rId6"/>
     <p:sldId id="262" r:id="rId7"/>
-    <p:sldId id="259" r:id="rId8"/>
-    <p:sldId id="261" r:id="rId9"/>
+    <p:sldId id="264" r:id="rId8"/>
+    <p:sldId id="265" r:id="rId9"/>
+    <p:sldId id="261" r:id="rId10"/>
+    <p:sldId id="266" r:id="rId11"/>
   </p:sldIdLst>
   <p:sldSz cx="9144000" cy="6858000" type="screen4x3"/>
   <p:notesSz cx="6858000" cy="9144000"/>
@@ -3228,6 +3230,117 @@
 </p:sld>
 </file>
 
+<file path=ppt/slides/slide10.xml><?xml version="1.0" encoding="utf-8"?>
+<p:sld xmlns:a="http://schemas.openxmlformats.org/drawingml/2006/main" xmlns:r="http://schemas.openxmlformats.org/officeDocument/2006/relationships" xmlns:p="http://schemas.openxmlformats.org/presentationml/2006/main">
+  <p:cSld>
+    <p:spTree>
+      <p:nvGrpSpPr>
+        <p:cNvPr id="1" name=""/>
+        <p:cNvGrpSpPr/>
+        <p:nvPr/>
+      </p:nvGrpSpPr>
+      <p:grpSpPr>
+        <a:xfrm>
+          <a:off x="0" y="0"/>
+          <a:ext cx="0" cy="0"/>
+          <a:chOff x="0" y="0"/>
+          <a:chExt cx="0" cy="0"/>
+        </a:xfrm>
+      </p:grpSpPr>
+      <p:sp>
+        <p:nvSpPr>
+          <p:cNvPr id="2" name="Title 1"/>
+          <p:cNvSpPr>
+            <a:spLocks noGrp="1"/>
+          </p:cNvSpPr>
+          <p:nvPr>
+            <p:ph type="title"/>
+          </p:nvPr>
+        </p:nvSpPr>
+        <p:spPr/>
+        <p:txBody>
+          <a:bodyPr/>
+          <a:lstStyle/>
+          <a:p>
+            <a:r>
+              <a:rPr lang="en-US" dirty="0" smtClean="0"/>
+              <a:t>Supplemental Information </a:t>
+            </a:r>
+            <a:endParaRPr lang="en-US" dirty="0"/>
+          </a:p>
+        </p:txBody>
+      </p:sp>
+      <p:sp>
+        <p:nvSpPr>
+          <p:cNvPr id="3" name="Content Placeholder 2"/>
+          <p:cNvSpPr>
+            <a:spLocks noGrp="1"/>
+          </p:cNvSpPr>
+          <p:nvPr>
+            <p:ph idx="1"/>
+          </p:nvPr>
+        </p:nvSpPr>
+        <p:spPr/>
+        <p:txBody>
+          <a:bodyPr/>
+          <a:lstStyle/>
+          <a:p>
+            <a:r>
+              <a:rPr lang="en-US" dirty="0" smtClean="0"/>
+              <a:t>Python libs used:</a:t>
+            </a:r>
+          </a:p>
+          <a:p>
+            <a:pPr lvl="1"/>
+            <a:r>
+              <a:rPr lang="en-US" dirty="0" err="1" smtClean="0"/>
+              <a:t>Opencv</a:t>
+            </a:r>
+            <a:endParaRPr lang="en-US" dirty="0" smtClean="0"/>
+          </a:p>
+          <a:p>
+            <a:pPr lvl="1"/>
+            <a:r>
+              <a:rPr lang="en-US" dirty="0" err="1" smtClean="0"/>
+              <a:t>Skimage</a:t>
+            </a:r>
+            <a:endParaRPr lang="en-US" dirty="0" smtClean="0"/>
+          </a:p>
+          <a:p>
+            <a:pPr lvl="1"/>
+            <a:r>
+              <a:rPr lang="en-US" dirty="0" err="1" smtClean="0"/>
+              <a:t>Klearn</a:t>
+            </a:r>
+            <a:endParaRPr lang="en-US" dirty="0" smtClean="0"/>
+          </a:p>
+          <a:p>
+            <a:pPr lvl="1"/>
+            <a:r>
+              <a:rPr lang="en-US" dirty="0" err="1" smtClean="0"/>
+              <a:t>Mahotas</a:t>
+            </a:r>
+            <a:endParaRPr lang="en-US" dirty="0" smtClean="0"/>
+          </a:p>
+          <a:p>
+            <a:pPr lvl="1"/>
+            <a:endParaRPr lang="en-US" dirty="0"/>
+          </a:p>
+        </p:txBody>
+      </p:sp>
+    </p:spTree>
+    <p:extLst>
+      <p:ext uri="{BB962C8B-B14F-4D97-AF65-F5344CB8AC3E}">
+        <p14:creationId xmlns:p14="http://schemas.microsoft.com/office/powerpoint/2010/main" val="3394571394"/>
+      </p:ext>
+    </p:extLst>
+  </p:cSld>
+  <p:clrMapOvr>
+    <a:masterClrMapping/>
+  </p:clrMapOvr>
+</p:sld>
+</file>
+
 <file path=ppt/slides/slide2.xml><?xml version="1.0" encoding="utf-8"?>
 <p:sld xmlns:a="http://schemas.openxmlformats.org/drawingml/2006/main" xmlns:r="http://schemas.openxmlformats.org/officeDocument/2006/relationships" xmlns:p="http://schemas.openxmlformats.org/presentationml/2006/main">
   <p:cSld>
@@ -3436,7 +3549,6 @@
               <a:rPr lang="en-US" dirty="0" smtClean="0"/>
               <a:t>Features from TAS algorithm</a:t>
             </a:r>
-            <a:endParaRPr lang="en-US" dirty="0" smtClean="0"/>
           </a:p>
           <a:p>
             <a:pPr lvl="1"/>
@@ -5937,7 +6049,6 @@
               <a:rPr lang="en-US" dirty="0"/>
               <a:t>now. </a:t>
             </a:r>
-            <a:endParaRPr lang="en-US" dirty="0"/>
           </a:p>
         </p:txBody>
       </p:sp>
@@ -5971,6 +6082,36 @@
           <a:chExt cx="0" cy="0"/>
         </a:xfrm>
       </p:grpSpPr>
+      <p:pic>
+        <p:nvPicPr>
+          <p:cNvPr id="10" name="Picture 9" descr="7788.jpg"/>
+          <p:cNvPicPr>
+            <a:picLocks noChangeAspect="1"/>
+          </p:cNvPicPr>
+          <p:nvPr/>
+        </p:nvPicPr>
+        <p:blipFill>
+          <a:blip r:embed="rId2">
+            <a:extLst>
+              <a:ext uri="{28A0092B-C50C-407E-A947-70E740481C1C}">
+                <a14:useLocalDpi xmlns:a14="http://schemas.microsoft.com/office/drawing/2010/main" val="0"/>
+              </a:ext>
+            </a:extLst>
+          </a:blip>
+          <a:stretch>
+            <a:fillRect/>
+          </a:stretch>
+        </p:blipFill>
+        <p:spPr>
+          <a:xfrm>
+            <a:off x="5001760" y="4453782"/>
+            <a:ext cx="1569478" cy="2107584"/>
+          </a:xfrm>
+          <a:prstGeom prst="rect">
+            <a:avLst/>
+          </a:prstGeom>
+        </p:spPr>
+      </p:pic>
       <p:sp>
         <p:nvSpPr>
           <p:cNvPr id="2" name="Title 1"/>
@@ -5988,45 +6129,166 @@
           <a:p>
             <a:r>
               <a:rPr lang="en-US" dirty="0" smtClean="0"/>
-              <a:t>Actionable Information or Insights</a:t>
+              <a:t>Error Analysis</a:t>
             </a:r>
             <a:endParaRPr lang="en-US" dirty="0"/>
           </a:p>
         </p:txBody>
       </p:sp>
-      <p:sp>
-        <p:nvSpPr>
-          <p:cNvPr id="3" name="Content Placeholder 2"/>
-          <p:cNvSpPr>
-            <a:spLocks noGrp="1"/>
-          </p:cNvSpPr>
+      <p:pic>
+        <p:nvPicPr>
+          <p:cNvPr id="4" name="Content Placeholder 3" descr="71.jpg"/>
+          <p:cNvPicPr>
+            <a:picLocks noGrp="1" noChangeAspect="1"/>
+          </p:cNvPicPr>
           <p:nvPr>
             <p:ph idx="1"/>
           </p:nvPr>
-        </p:nvSpPr>
-        <p:spPr/>
-        <p:txBody>
-          <a:bodyPr/>
+        </p:nvPicPr>
+        <p:blipFill>
+          <a:blip r:embed="rId3">
+            <a:extLst>
+              <a:ext uri="{28A0092B-C50C-407E-A947-70E740481C1C}">
+                <a14:useLocalDpi xmlns:a14="http://schemas.microsoft.com/office/drawing/2010/main" val="0"/>
+              </a:ext>
+            </a:extLst>
+          </a:blip>
+          <a:srcRect t="24747" b="24747"/>
+          <a:stretch>
+            <a:fillRect/>
+          </a:stretch>
+        </p:blipFill>
+        <p:spPr>
+          <a:xfrm>
+            <a:off x="1034499" y="2258567"/>
+            <a:ext cx="2759190" cy="1517448"/>
+          </a:xfrm>
+        </p:spPr>
+      </p:pic>
+      <p:pic>
+        <p:nvPicPr>
+          <p:cNvPr id="5" name="Picture 4" descr="114.jpg"/>
+          <p:cNvPicPr>
+            <a:picLocks noChangeAspect="1"/>
+          </p:cNvPicPr>
+          <p:nvPr/>
+        </p:nvPicPr>
+        <p:blipFill>
+          <a:blip r:embed="rId4">
+            <a:extLst>
+              <a:ext uri="{28A0092B-C50C-407E-A947-70E740481C1C}">
+                <a14:useLocalDpi xmlns:a14="http://schemas.microsoft.com/office/drawing/2010/main" val="0"/>
+              </a:ext>
+            </a:extLst>
+          </a:blip>
+          <a:stretch>
+            <a:fillRect/>
+          </a:stretch>
+        </p:blipFill>
+        <p:spPr>
+          <a:xfrm>
+            <a:off x="4544615" y="1863017"/>
+            <a:ext cx="2358377" cy="2358377"/>
+          </a:xfrm>
+          <a:prstGeom prst="rect">
+            <a:avLst/>
+          </a:prstGeom>
+        </p:spPr>
+      </p:pic>
+      <p:sp>
+        <p:nvSpPr>
+          <p:cNvPr id="6" name="TextBox 5"/>
+          <p:cNvSpPr txBox="1"/>
+          <p:nvPr/>
+        </p:nvSpPr>
+        <p:spPr>
+          <a:xfrm>
+            <a:off x="659770" y="1417638"/>
+            <a:ext cx="7686321" cy="584776"/>
+          </a:xfrm>
+          <a:prstGeom prst="rect">
+            <a:avLst/>
+          </a:prstGeom>
+          <a:noFill/>
+        </p:spPr>
+        <p:txBody>
+          <a:bodyPr wrap="square" rtlCol="0">
+            <a:spAutoFit/>
+          </a:bodyPr>
           <a:lstStyle/>
           <a:p>
             <a:r>
-              <a:rPr lang="en-US" dirty="0" smtClean="0"/>
-              <a:t>Take-home message from analysis.</a:t>
-            </a:r>
-          </a:p>
-          <a:p>
-            <a:r>
-              <a:rPr lang="en-US" dirty="0" smtClean="0"/>
-              <a:t>How can the stakeholder use the information obtained OR How can the insight obtained be used to open a new analytic project that should lead closer to actionable information.</a:t>
-            </a:r>
-            <a:endParaRPr lang="en-US" dirty="0"/>
-          </a:p>
-        </p:txBody>
-      </p:sp>
+              <a:rPr lang="en-US" sz="3200" dirty="0" smtClean="0"/>
+              <a:t>Similar images from different classes</a:t>
+            </a:r>
+            <a:endParaRPr lang="en-US" sz="3200" dirty="0"/>
+          </a:p>
+        </p:txBody>
+      </p:sp>
+      <p:sp>
+        <p:nvSpPr>
+          <p:cNvPr id="7" name="TextBox 6"/>
+          <p:cNvSpPr txBox="1"/>
+          <p:nvPr/>
+        </p:nvSpPr>
+        <p:spPr>
+          <a:xfrm>
+            <a:off x="659770" y="4077353"/>
+            <a:ext cx="7686321" cy="584776"/>
+          </a:xfrm>
+          <a:prstGeom prst="rect">
+            <a:avLst/>
+          </a:prstGeom>
+          <a:noFill/>
+        </p:spPr>
+        <p:txBody>
+          <a:bodyPr wrap="square" rtlCol="0">
+            <a:spAutoFit/>
+          </a:bodyPr>
+          <a:lstStyle/>
+          <a:p>
+            <a:r>
+              <a:rPr lang="en-US" sz="3200" dirty="0" smtClean="0"/>
+              <a:t>Different images in same class</a:t>
+            </a:r>
+            <a:endParaRPr lang="en-US" sz="3200" dirty="0"/>
+          </a:p>
+        </p:txBody>
+      </p:sp>
+      <p:pic>
+        <p:nvPicPr>
+          <p:cNvPr id="9" name="Picture 8" descr="5616.jpg"/>
+          <p:cNvPicPr>
+            <a:picLocks noChangeAspect="1"/>
+          </p:cNvPicPr>
+          <p:nvPr/>
+        </p:nvPicPr>
+        <p:blipFill>
+          <a:blip r:embed="rId5">
+            <a:extLst>
+              <a:ext uri="{28A0092B-C50C-407E-A947-70E740481C1C}">
+                <a14:useLocalDpi xmlns:a14="http://schemas.microsoft.com/office/drawing/2010/main" val="0"/>
+              </a:ext>
+            </a:extLst>
+          </a:blip>
+          <a:stretch>
+            <a:fillRect/>
+          </a:stretch>
+        </p:blipFill>
+        <p:spPr>
+          <a:xfrm>
+            <a:off x="1034499" y="4595585"/>
+            <a:ext cx="2313834" cy="2262415"/>
+          </a:xfrm>
+          <a:prstGeom prst="rect">
+            <a:avLst/>
+          </a:prstGeom>
+        </p:spPr>
+      </p:pic>
     </p:spTree>
     <p:extLst>
       <p:ext uri="{BB962C8B-B14F-4D97-AF65-F5344CB8AC3E}">
-        <p14:creationId xmlns:p14="http://schemas.microsoft.com/office/powerpoint/2010/main" val="2933592575"/>
+        <p14:creationId xmlns:p14="http://schemas.microsoft.com/office/powerpoint/2010/main" val="641978652"/>
       </p:ext>
     </p:extLst>
   </p:cSld>
@@ -6070,7 +6332,7 @@
           <a:p>
             <a:r>
               <a:rPr lang="en-US" dirty="0" smtClean="0"/>
-              <a:t>Future Work</a:t>
+              <a:t>Actionable Information of Insights</a:t>
             </a:r>
             <a:endParaRPr lang="en-US" dirty="0"/>
           </a:p>
@@ -6093,9 +6355,90 @@
           <a:p>
             <a:r>
               <a:rPr lang="en-US" dirty="0" smtClean="0"/>
+              <a:t>The image should be preprocessed to exclude noise and focus on main part.</a:t>
+            </a:r>
+          </a:p>
+          <a:p>
+            <a:r>
+              <a:rPr lang="en-US" dirty="0" smtClean="0"/>
+              <a:t>The features should be consistent for scaling, illumination and rotation.</a:t>
+            </a:r>
+            <a:endParaRPr lang="en-US" dirty="0"/>
+          </a:p>
+        </p:txBody>
+      </p:sp>
+    </p:spTree>
+    <p:extLst>
+      <p:ext uri="{BB962C8B-B14F-4D97-AF65-F5344CB8AC3E}">
+        <p14:creationId xmlns:p14="http://schemas.microsoft.com/office/powerpoint/2010/main" val="2175036422"/>
+      </p:ext>
+    </p:extLst>
+  </p:cSld>
+  <p:clrMapOvr>
+    <a:masterClrMapping/>
+  </p:clrMapOvr>
+</p:sld>
+</file>
+
+<file path=ppt/slides/slide9.xml><?xml version="1.0" encoding="utf-8"?>
+<p:sld xmlns:a="http://schemas.openxmlformats.org/drawingml/2006/main" xmlns:r="http://schemas.openxmlformats.org/officeDocument/2006/relationships" xmlns:p="http://schemas.openxmlformats.org/presentationml/2006/main">
+  <p:cSld>
+    <p:spTree>
+      <p:nvGrpSpPr>
+        <p:cNvPr id="1" name=""/>
+        <p:cNvGrpSpPr/>
+        <p:nvPr/>
+      </p:nvGrpSpPr>
+      <p:grpSpPr>
+        <a:xfrm>
+          <a:off x="0" y="0"/>
+          <a:ext cx="0" cy="0"/>
+          <a:chOff x="0" y="0"/>
+          <a:chExt cx="0" cy="0"/>
+        </a:xfrm>
+      </p:grpSpPr>
+      <p:sp>
+        <p:nvSpPr>
+          <p:cNvPr id="2" name="Title 1"/>
+          <p:cNvSpPr>
+            <a:spLocks noGrp="1"/>
+          </p:cNvSpPr>
+          <p:nvPr>
+            <p:ph type="title"/>
+          </p:nvPr>
+        </p:nvSpPr>
+        <p:spPr/>
+        <p:txBody>
+          <a:bodyPr/>
+          <a:lstStyle/>
+          <a:p>
+            <a:r>
+              <a:rPr lang="en-US" dirty="0" smtClean="0"/>
+              <a:t>Future Work</a:t>
+            </a:r>
+            <a:endParaRPr lang="en-US" dirty="0"/>
+          </a:p>
+        </p:txBody>
+      </p:sp>
+      <p:sp>
+        <p:nvSpPr>
+          <p:cNvPr id="3" name="Content Placeholder 2"/>
+          <p:cNvSpPr>
+            <a:spLocks noGrp="1"/>
+          </p:cNvSpPr>
+          <p:nvPr>
+            <p:ph idx="1"/>
+          </p:nvPr>
+        </p:nvSpPr>
+        <p:spPr/>
+        <p:txBody>
+          <a:bodyPr/>
+          <a:lstStyle/>
+          <a:p>
+            <a:r>
+              <a:rPr lang="en-US" dirty="0" smtClean="0"/>
               <a:t>More specific features can be included</a:t>
             </a:r>
-            <a:endParaRPr lang="en-US" dirty="0" smtClean="0"/>
           </a:p>
           <a:p>
             <a:r>
